--- a/templates/fresh_green.pptx
+++ b/templates/fresh_green.pptx
@@ -295,6 +295,13 @@
               <a:schemeClr val="lt1"/>
             </a:fontRef>
           </p:style>
+          <p:txBody>
+            <a:bodyPr/>
+            <a:lstStyle/>
+            <a:p>
+              <a:endParaRPr lang="es-MX"/>
+            </a:p>
+          </p:txBody>
         </p:sp>
         <p:sp>
           <p:nvSpPr>
@@ -358,6 +365,13 @@
               <a:schemeClr val="lt1"/>
             </a:fontRef>
           </p:style>
+          <p:txBody>
+            <a:bodyPr/>
+            <a:lstStyle/>
+            <a:p>
+              <a:endParaRPr lang="es-MX"/>
+            </a:p>
+          </p:txBody>
         </p:sp>
         <p:sp>
           <p:nvSpPr>
@@ -399,6 +413,13 @@
               <a:schemeClr val="lt1"/>
             </a:fontRef>
           </p:style>
+          <p:txBody>
+            <a:bodyPr/>
+            <a:lstStyle/>
+            <a:p>
+              <a:endParaRPr lang="es-MX"/>
+            </a:p>
+          </p:txBody>
         </p:sp>
         <p:sp>
           <p:nvSpPr>
@@ -463,6 +484,13 @@
               <a:schemeClr val="lt1"/>
             </a:fontRef>
           </p:style>
+          <p:txBody>
+            <a:bodyPr/>
+            <a:lstStyle/>
+            <a:p>
+              <a:endParaRPr lang="es-MX"/>
+            </a:p>
+          </p:txBody>
         </p:sp>
         <p:sp>
           <p:nvSpPr>
@@ -528,6 +556,13 @@
               <a:schemeClr val="lt1"/>
             </a:fontRef>
           </p:style>
+          <p:txBody>
+            <a:bodyPr/>
+            <a:lstStyle/>
+            <a:p>
+              <a:endParaRPr lang="es-MX"/>
+            </a:p>
+          </p:txBody>
         </p:sp>
         <p:sp>
           <p:nvSpPr>
@@ -591,6 +626,13 @@
               <a:schemeClr val="lt1"/>
             </a:fontRef>
           </p:style>
+          <p:txBody>
+            <a:bodyPr/>
+            <a:lstStyle/>
+            <a:p>
+              <a:endParaRPr lang="es-MX"/>
+            </a:p>
+          </p:txBody>
         </p:sp>
         <p:sp>
           <p:nvSpPr>
@@ -632,6 +674,13 @@
               <a:schemeClr val="lt1"/>
             </a:fontRef>
           </p:style>
+          <p:txBody>
+            <a:bodyPr/>
+            <a:lstStyle/>
+            <a:p>
+              <a:endParaRPr lang="es-MX"/>
+            </a:p>
+          </p:txBody>
         </p:sp>
         <p:sp>
           <p:nvSpPr>
@@ -673,6 +722,13 @@
               <a:schemeClr val="lt1"/>
             </a:fontRef>
           </p:style>
+          <p:txBody>
+            <a:bodyPr/>
+            <a:lstStyle/>
+            <a:p>
+              <a:endParaRPr lang="es-MX"/>
+            </a:p>
+          </p:txBody>
         </p:sp>
       </p:grpSp>
       <p:sp>
@@ -4793,6 +4849,13 @@
               <a:schemeClr val="lt1"/>
             </a:fontRef>
           </p:style>
+          <p:txBody>
+            <a:bodyPr/>
+            <a:lstStyle/>
+            <a:p>
+              <a:endParaRPr lang="es-MX"/>
+            </a:p>
+          </p:txBody>
         </p:sp>
         <p:sp>
           <p:nvSpPr>
@@ -4856,6 +4919,13 @@
               <a:schemeClr val="lt1"/>
             </a:fontRef>
           </p:style>
+          <p:txBody>
+            <a:bodyPr/>
+            <a:lstStyle/>
+            <a:p>
+              <a:endParaRPr lang="es-MX"/>
+            </a:p>
+          </p:txBody>
         </p:sp>
         <p:sp>
           <p:nvSpPr>
@@ -4897,6 +4967,13 @@
               <a:schemeClr val="lt1"/>
             </a:fontRef>
           </p:style>
+          <p:txBody>
+            <a:bodyPr/>
+            <a:lstStyle/>
+            <a:p>
+              <a:endParaRPr lang="es-MX"/>
+            </a:p>
+          </p:txBody>
         </p:sp>
         <p:sp>
           <p:nvSpPr>
@@ -4961,6 +5038,13 @@
               <a:schemeClr val="lt1"/>
             </a:fontRef>
           </p:style>
+          <p:txBody>
+            <a:bodyPr/>
+            <a:lstStyle/>
+            <a:p>
+              <a:endParaRPr lang="es-MX"/>
+            </a:p>
+          </p:txBody>
         </p:sp>
         <p:sp>
           <p:nvSpPr>
@@ -5026,6 +5110,13 @@
               <a:schemeClr val="lt1"/>
             </a:fontRef>
           </p:style>
+          <p:txBody>
+            <a:bodyPr/>
+            <a:lstStyle/>
+            <a:p>
+              <a:endParaRPr lang="es-MX"/>
+            </a:p>
+          </p:txBody>
         </p:sp>
         <p:sp>
           <p:nvSpPr>
@@ -5089,6 +5180,13 @@
               <a:schemeClr val="lt1"/>
             </a:fontRef>
           </p:style>
+          <p:txBody>
+            <a:bodyPr/>
+            <a:lstStyle/>
+            <a:p>
+              <a:endParaRPr lang="es-MX"/>
+            </a:p>
+          </p:txBody>
         </p:sp>
         <p:sp>
           <p:nvSpPr>
@@ -5130,6 +5228,13 @@
               <a:schemeClr val="lt1"/>
             </a:fontRef>
           </p:style>
+          <p:txBody>
+            <a:bodyPr/>
+            <a:lstStyle/>
+            <a:p>
+              <a:endParaRPr lang="es-MX"/>
+            </a:p>
+          </p:txBody>
         </p:sp>
         <p:sp>
           <p:nvSpPr>
@@ -5171,6 +5276,13 @@
               <a:schemeClr val="lt1"/>
             </a:fontRef>
           </p:style>
+          <p:txBody>
+            <a:bodyPr/>
+            <a:lstStyle/>
+            <a:p>
+              <a:endParaRPr lang="es-MX"/>
+            </a:p>
+          </p:txBody>
         </p:sp>
       </p:grpSp>
       <p:sp>
@@ -6101,7 +6213,7 @@
 <file path=ppt/theme/theme1.xml><?xml version="1.0" encoding="utf-8"?>
 <a:theme xmlns:a="http://schemas.openxmlformats.org/drawingml/2006/main" name="Faceta">
   <a:themeElements>
-    <a:clrScheme name="Faceta">
+    <a:clrScheme name="Verde">
       <a:dk1>
         <a:sysClr val="windowText" lastClr="000000"/>
       </a:dk1>
@@ -6109,34 +6221,34 @@
         <a:sysClr val="window" lastClr="FFFFFF"/>
       </a:lt1>
       <a:dk2>
-        <a:srgbClr val="2C3C43"/>
+        <a:srgbClr val="455F51"/>
       </a:dk2>
       <a:lt2>
-        <a:srgbClr val="EBEBEB"/>
+        <a:srgbClr val="E3DED1"/>
       </a:lt2>
       <a:accent1>
-        <a:srgbClr val="90C226"/>
+        <a:srgbClr val="549E39"/>
       </a:accent1>
       <a:accent2>
-        <a:srgbClr val="54A021"/>
+        <a:srgbClr val="8AB833"/>
       </a:accent2>
       <a:accent3>
-        <a:srgbClr val="E6B91E"/>
+        <a:srgbClr val="C0CF3A"/>
       </a:accent3>
       <a:accent4>
-        <a:srgbClr val="E76618"/>
+        <a:srgbClr val="029676"/>
       </a:accent4>
       <a:accent5>
-        <a:srgbClr val="C42F1A"/>
+        <a:srgbClr val="4AB5C4"/>
       </a:accent5>
       <a:accent6>
-        <a:srgbClr val="918655"/>
+        <a:srgbClr val="0989B1"/>
       </a:accent6>
       <a:hlink>
-        <a:srgbClr val="99CA3C"/>
+        <a:srgbClr val="6B9F25"/>
       </a:hlink>
       <a:folHlink>
-        <a:srgbClr val="B9D181"/>
+        <a:srgbClr val="BA6906"/>
       </a:folHlink>
     </a:clrScheme>
     <a:fontScheme name="Faceta">
